--- a/Sprint 1/Documentacao/desenho-de-solucao.pptx
+++ b/Sprint 1/Documentacao/desenho-de-solucao.pptx
@@ -6,6 +6,7 @@
   </p:sldMasterIdLst>
   <p:sldIdLst>
     <p:sldId id="275" r:id="rId2"/>
+    <p:sldId id="276" r:id="rId3"/>
   </p:sldIdLst>
   <p:sldSz cx="12192000" cy="6858000"/>
   <p:notesSz cx="6858000" cy="9144000"/>
@@ -477,7 +478,7 @@
           <a:p>
             <a:fld id="{EB60841A-4D04-44D0-9551-1643E2F32A38}" type="datetimeFigureOut">
               <a:rPr lang="pt-BR" smtClean="0"/>
-              <a:t>21/09/2020</a:t>
+              <a:t>09/10/2020</a:t>
             </a:fld>
             <a:endParaRPr lang="pt-BR"/>
           </a:p>
@@ -675,7 +676,7 @@
           <a:p>
             <a:fld id="{EB60841A-4D04-44D0-9551-1643E2F32A38}" type="datetimeFigureOut">
               <a:rPr lang="pt-BR" smtClean="0"/>
-              <a:t>21/09/2020</a:t>
+              <a:t>09/10/2020</a:t>
             </a:fld>
             <a:endParaRPr lang="pt-BR"/>
           </a:p>
@@ -883,7 +884,7 @@
           <a:p>
             <a:fld id="{EB60841A-4D04-44D0-9551-1643E2F32A38}" type="datetimeFigureOut">
               <a:rPr lang="pt-BR" smtClean="0"/>
-              <a:t>21/09/2020</a:t>
+              <a:t>09/10/2020</a:t>
             </a:fld>
             <a:endParaRPr lang="pt-BR"/>
           </a:p>
@@ -1081,7 +1082,7 @@
           <a:p>
             <a:fld id="{EB60841A-4D04-44D0-9551-1643E2F32A38}" type="datetimeFigureOut">
               <a:rPr lang="pt-BR" smtClean="0"/>
-              <a:t>21/09/2020</a:t>
+              <a:t>09/10/2020</a:t>
             </a:fld>
             <a:endParaRPr lang="pt-BR"/>
           </a:p>
@@ -1356,7 +1357,7 @@
           <a:p>
             <a:fld id="{EB60841A-4D04-44D0-9551-1643E2F32A38}" type="datetimeFigureOut">
               <a:rPr lang="pt-BR" smtClean="0"/>
-              <a:t>21/09/2020</a:t>
+              <a:t>09/10/2020</a:t>
             </a:fld>
             <a:endParaRPr lang="pt-BR"/>
           </a:p>
@@ -1621,7 +1622,7 @@
           <a:p>
             <a:fld id="{EB60841A-4D04-44D0-9551-1643E2F32A38}" type="datetimeFigureOut">
               <a:rPr lang="pt-BR" smtClean="0"/>
-              <a:t>21/09/2020</a:t>
+              <a:t>09/10/2020</a:t>
             </a:fld>
             <a:endParaRPr lang="pt-BR"/>
           </a:p>
@@ -2033,7 +2034,7 @@
           <a:p>
             <a:fld id="{EB60841A-4D04-44D0-9551-1643E2F32A38}" type="datetimeFigureOut">
               <a:rPr lang="pt-BR" smtClean="0"/>
-              <a:t>21/09/2020</a:t>
+              <a:t>09/10/2020</a:t>
             </a:fld>
             <a:endParaRPr lang="pt-BR"/>
           </a:p>
@@ -2174,7 +2175,7 @@
           <a:p>
             <a:fld id="{EB60841A-4D04-44D0-9551-1643E2F32A38}" type="datetimeFigureOut">
               <a:rPr lang="pt-BR" smtClean="0"/>
-              <a:t>21/09/2020</a:t>
+              <a:t>09/10/2020</a:t>
             </a:fld>
             <a:endParaRPr lang="pt-BR"/>
           </a:p>
@@ -2287,7 +2288,7 @@
           <a:p>
             <a:fld id="{EB60841A-4D04-44D0-9551-1643E2F32A38}" type="datetimeFigureOut">
               <a:rPr lang="pt-BR" smtClean="0"/>
-              <a:t>21/09/2020</a:t>
+              <a:t>09/10/2020</a:t>
             </a:fld>
             <a:endParaRPr lang="pt-BR"/>
           </a:p>
@@ -2598,7 +2599,7 @@
           <a:p>
             <a:fld id="{EB60841A-4D04-44D0-9551-1643E2F32A38}" type="datetimeFigureOut">
               <a:rPr lang="pt-BR" smtClean="0"/>
-              <a:t>21/09/2020</a:t>
+              <a:t>09/10/2020</a:t>
             </a:fld>
             <a:endParaRPr lang="pt-BR"/>
           </a:p>
@@ -2886,7 +2887,7 @@
           <a:p>
             <a:fld id="{EB60841A-4D04-44D0-9551-1643E2F32A38}" type="datetimeFigureOut">
               <a:rPr lang="pt-BR" smtClean="0"/>
-              <a:t>21/09/2020</a:t>
+              <a:t>09/10/2020</a:t>
             </a:fld>
             <a:endParaRPr lang="pt-BR"/>
           </a:p>
@@ -3127,7 +3128,7 @@
           <a:p>
             <a:fld id="{EB60841A-4D04-44D0-9551-1643E2F32A38}" type="datetimeFigureOut">
               <a:rPr lang="pt-BR" smtClean="0"/>
-              <a:t>21/09/2020</a:t>
+              <a:t>09/10/2020</a:t>
             </a:fld>
             <a:endParaRPr lang="pt-BR"/>
           </a:p>
@@ -3562,12 +3563,14 @@
         </p:nvSpPr>
         <p:spPr>
           <a:xfrm>
-            <a:off x="4127213" y="-16177"/>
-            <a:ext cx="3489168" cy="434209"/>
+            <a:off x="4499113" y="145544"/>
+            <a:ext cx="2491123" cy="434209"/>
           </a:xfrm>
         </p:spPr>
         <p:txBody>
-          <a:bodyPr/>
+          <a:bodyPr>
+            <a:normAutofit fontScale="90000"/>
+          </a:bodyPr>
           <a:lstStyle/>
           <a:p>
             <a:r>
@@ -3639,7 +3642,7 @@
         </p:blipFill>
         <p:spPr>
           <a:xfrm>
-            <a:off x="253363" y="391925"/>
+            <a:off x="344834" y="440689"/>
             <a:ext cx="2778711" cy="1607169"/>
           </a:xfrm>
           <a:prstGeom prst="rect">
@@ -3676,8 +3679,8 @@
         </p:blipFill>
         <p:spPr bwMode="auto">
           <a:xfrm>
-            <a:off x="4520313" y="423266"/>
-            <a:ext cx="2112536" cy="1314912"/>
+            <a:off x="4530201" y="444928"/>
+            <a:ext cx="2294054" cy="1427895"/>
           </a:xfrm>
           <a:prstGeom prst="rect">
             <a:avLst/>
@@ -3723,7 +3726,7 @@
         </p:blipFill>
         <p:spPr bwMode="auto">
           <a:xfrm>
-            <a:off x="8559173" y="609601"/>
+            <a:off x="8559173" y="440689"/>
             <a:ext cx="2096639" cy="1212668"/>
           </a:xfrm>
           <a:prstGeom prst="rect">
@@ -4242,6 +4245,266 @@
     <p:extLst>
       <p:ext uri="{BB962C8B-B14F-4D97-AF65-F5344CB8AC3E}">
         <p14:creationId xmlns:p14="http://schemas.microsoft.com/office/powerpoint/2010/main" val="628861244"/>
+      </p:ext>
+    </p:extLst>
+  </p:cSld>
+  <p:clrMapOvr>
+    <a:masterClrMapping/>
+  </p:clrMapOvr>
+</p:sld>
+</file>
+
+<file path=ppt/slides/slide2.xml><?xml version="1.0" encoding="utf-8"?>
+<p:sld xmlns:a="http://schemas.openxmlformats.org/drawingml/2006/main" xmlns:r="http://schemas.openxmlformats.org/officeDocument/2006/relationships" xmlns:p="http://schemas.openxmlformats.org/presentationml/2006/main">
+  <p:cSld>
+    <p:spTree>
+      <p:nvGrpSpPr>
+        <p:cNvPr id="1" name=""/>
+        <p:cNvGrpSpPr/>
+        <p:nvPr/>
+      </p:nvGrpSpPr>
+      <p:grpSpPr>
+        <a:xfrm>
+          <a:off x="0" y="0"/>
+          <a:ext cx="0" cy="0"/>
+          <a:chOff x="0" y="0"/>
+          <a:chExt cx="0" cy="0"/>
+        </a:xfrm>
+      </p:grpSpPr>
+      <p:pic>
+        <p:nvPicPr>
+          <p:cNvPr id="1026" name="Picture 2">
+            <a:extLst>
+              <a:ext uri="{FF2B5EF4-FFF2-40B4-BE49-F238E27FC236}">
+                <a16:creationId xmlns:a16="http://schemas.microsoft.com/office/drawing/2014/main" id="{67A75433-F638-453F-8335-ADDDB9D635C5}"/>
+              </a:ext>
+            </a:extLst>
+          </p:cNvPr>
+          <p:cNvPicPr>
+            <a:picLocks noChangeAspect="1" noChangeArrowheads="1"/>
+          </p:cNvPicPr>
+          <p:nvPr/>
+        </p:nvPicPr>
+        <p:blipFill>
+          <a:blip r:embed="rId2">
+            <a:extLst>
+              <a:ext uri="{28A0092B-C50C-407E-A947-70E740481C1C}">
+                <a14:useLocalDpi xmlns:a14="http://schemas.microsoft.com/office/drawing/2010/main" val="0"/>
+              </a:ext>
+            </a:extLst>
+          </a:blip>
+          <a:srcRect/>
+          <a:stretch>
+            <a:fillRect/>
+          </a:stretch>
+        </p:blipFill>
+        <p:spPr bwMode="auto">
+          <a:xfrm>
+            <a:off x="220093" y="727751"/>
+            <a:ext cx="1629884" cy="1047783"/>
+          </a:xfrm>
+          <a:prstGeom prst="rect">
+            <a:avLst/>
+          </a:prstGeom>
+          <a:noFill/>
+          <a:extLst>
+            <a:ext uri="{909E8E84-426E-40DD-AFC4-6F175D3DCCD1}">
+              <a14:hiddenFill xmlns:a14="http://schemas.microsoft.com/office/drawing/2010/main">
+                <a:solidFill>
+                  <a:srgbClr val="FFFFFF"/>
+                </a:solidFill>
+              </a14:hiddenFill>
+            </a:ext>
+          </a:extLst>
+        </p:spPr>
+      </p:pic>
+      <p:sp>
+        <p:nvSpPr>
+          <p:cNvPr id="4" name="CaixaDeTexto 3">
+            <a:extLst>
+              <a:ext uri="{FF2B5EF4-FFF2-40B4-BE49-F238E27FC236}">
+                <a16:creationId xmlns:a16="http://schemas.microsoft.com/office/drawing/2014/main" id="{355D7ABD-AB6B-4756-BB1F-5FBE734C73BE}"/>
+              </a:ext>
+            </a:extLst>
+          </p:cNvPr>
+          <p:cNvSpPr txBox="1"/>
+          <p:nvPr/>
+        </p:nvSpPr>
+        <p:spPr>
+          <a:xfrm>
+            <a:off x="5612167" y="0"/>
+            <a:ext cx="967666" cy="369332"/>
+          </a:xfrm>
+          <a:prstGeom prst="rect">
+            <a:avLst/>
+          </a:prstGeom>
+          <a:noFill/>
+        </p:spPr>
+        <p:txBody>
+          <a:bodyPr wrap="square" rtlCol="0">
+            <a:spAutoFit/>
+          </a:bodyPr>
+          <a:lstStyle/>
+          <a:p>
+            <a:r>
+              <a:rPr lang="pt-BR" b="1" dirty="0"/>
+              <a:t>HLD</a:t>
+            </a:r>
+          </a:p>
+        </p:txBody>
+      </p:sp>
+      <p:pic>
+        <p:nvPicPr>
+          <p:cNvPr id="5" name="Picture 4">
+            <a:extLst>
+              <a:ext uri="{FF2B5EF4-FFF2-40B4-BE49-F238E27FC236}">
+                <a16:creationId xmlns:a16="http://schemas.microsoft.com/office/drawing/2014/main" id="{868F123E-5BDA-4E42-963C-DFB316C64DDD}"/>
+              </a:ext>
+            </a:extLst>
+          </p:cNvPr>
+          <p:cNvPicPr>
+            <a:picLocks noChangeAspect="1" noChangeArrowheads="1"/>
+          </p:cNvPicPr>
+          <p:nvPr/>
+        </p:nvPicPr>
+        <p:blipFill>
+          <a:blip r:embed="rId3">
+            <a:extLst>
+              <a:ext uri="{28A0092B-C50C-407E-A947-70E740481C1C}">
+                <a14:useLocalDpi xmlns:a14="http://schemas.microsoft.com/office/drawing/2010/main" val="0"/>
+              </a:ext>
+            </a:extLst>
+          </a:blip>
+          <a:srcRect/>
+          <a:stretch>
+            <a:fillRect/>
+          </a:stretch>
+        </p:blipFill>
+        <p:spPr bwMode="auto">
+          <a:xfrm>
+            <a:off x="1325818" y="184666"/>
+            <a:ext cx="1149526" cy="664871"/>
+          </a:xfrm>
+          <a:prstGeom prst="rect">
+            <a:avLst/>
+          </a:prstGeom>
+          <a:noFill/>
+          <a:extLst>
+            <a:ext uri="{909E8E84-426E-40DD-AFC4-6F175D3DCCD1}">
+              <a14:hiddenFill xmlns:a14="http://schemas.microsoft.com/office/drawing/2010/main">
+                <a:solidFill>
+                  <a:srgbClr val="FFFFFF"/>
+                </a:solidFill>
+              </a14:hiddenFill>
+            </a:ext>
+          </a:extLst>
+        </p:spPr>
+      </p:pic>
+      <p:sp>
+        <p:nvSpPr>
+          <p:cNvPr id="7" name="Seta: para a Direita 6">
+            <a:extLst>
+              <a:ext uri="{FF2B5EF4-FFF2-40B4-BE49-F238E27FC236}">
+                <a16:creationId xmlns:a16="http://schemas.microsoft.com/office/drawing/2014/main" id="{24F142A6-B7BD-4F67-AE74-439A51ABC898}"/>
+              </a:ext>
+            </a:extLst>
+          </p:cNvPr>
+          <p:cNvSpPr/>
+          <p:nvPr/>
+        </p:nvSpPr>
+        <p:spPr>
+          <a:xfrm>
+            <a:off x="1900581" y="1046087"/>
+            <a:ext cx="3390510" cy="241176"/>
+          </a:xfrm>
+          <a:prstGeom prst="rightArrow">
+            <a:avLst/>
+          </a:prstGeom>
+          <a:solidFill>
+            <a:schemeClr val="tx1"/>
+          </a:solidFill>
+          <a:ln>
+            <a:solidFill>
+              <a:schemeClr val="tx1"/>
+            </a:solidFill>
+          </a:ln>
+        </p:spPr>
+        <p:style>
+          <a:lnRef idx="2">
+            <a:schemeClr val="accent1">
+              <a:shade val="50000"/>
+            </a:schemeClr>
+          </a:lnRef>
+          <a:fillRef idx="1">
+            <a:schemeClr val="accent1"/>
+          </a:fillRef>
+          <a:effectRef idx="0">
+            <a:schemeClr val="accent1"/>
+          </a:effectRef>
+          <a:fontRef idx="minor">
+            <a:schemeClr val="lt1"/>
+          </a:fontRef>
+        </p:style>
+        <p:txBody>
+          <a:bodyPr rtlCol="0" anchor="ctr"/>
+          <a:lstStyle/>
+          <a:p>
+            <a:pPr algn="ctr"/>
+            <a:endParaRPr lang="pt-BR" dirty="0"/>
+          </a:p>
+        </p:txBody>
+      </p:sp>
+      <p:pic>
+        <p:nvPicPr>
+          <p:cNvPr id="1028" name="Picture 4">
+            <a:extLst>
+              <a:ext uri="{FF2B5EF4-FFF2-40B4-BE49-F238E27FC236}">
+                <a16:creationId xmlns:a16="http://schemas.microsoft.com/office/drawing/2014/main" id="{76C4BD72-809B-450C-AA4F-6A6BF4124C6E}"/>
+              </a:ext>
+            </a:extLst>
+          </p:cNvPr>
+          <p:cNvPicPr>
+            <a:picLocks noChangeAspect="1" noChangeArrowheads="1"/>
+          </p:cNvPicPr>
+          <p:nvPr/>
+        </p:nvPicPr>
+        <p:blipFill>
+          <a:blip r:embed="rId4">
+            <a:extLst>
+              <a:ext uri="{28A0092B-C50C-407E-A947-70E740481C1C}">
+                <a14:useLocalDpi xmlns:a14="http://schemas.microsoft.com/office/drawing/2010/main" val="0"/>
+              </a:ext>
+            </a:extLst>
+          </a:blip>
+          <a:srcRect/>
+          <a:stretch>
+            <a:fillRect/>
+          </a:stretch>
+        </p:blipFill>
+        <p:spPr bwMode="auto">
+          <a:xfrm>
+            <a:off x="5219524" y="526569"/>
+            <a:ext cx="1162789" cy="1162789"/>
+          </a:xfrm>
+          <a:prstGeom prst="rect">
+            <a:avLst/>
+          </a:prstGeom>
+          <a:noFill/>
+          <a:extLst>
+            <a:ext uri="{909E8E84-426E-40DD-AFC4-6F175D3DCCD1}">
+              <a14:hiddenFill xmlns:a14="http://schemas.microsoft.com/office/drawing/2010/main">
+                <a:solidFill>
+                  <a:srgbClr val="FFFFFF"/>
+                </a:solidFill>
+              </a14:hiddenFill>
+            </a:ext>
+          </a:extLst>
+        </p:spPr>
+      </p:pic>
+    </p:spTree>
+    <p:extLst>
+      <p:ext uri="{BB962C8B-B14F-4D97-AF65-F5344CB8AC3E}">
+        <p14:creationId xmlns:p14="http://schemas.microsoft.com/office/powerpoint/2010/main" val="1658985439"/>
       </p:ext>
     </p:extLst>
   </p:cSld>
